--- a/발표 자료/이지하조 발표 자료 .pptx
+++ b/발표 자료/이지하조 발표 자료 .pptx
@@ -279,7 +279,7 @@
           <a:p>
             <a:fld id="{FBB0C5D5-EBD8-47A8-AEE2-A5BB1E67CDAE}" type="datetimeFigureOut">
               <a:rPr lang="ko-KR" altLang="en-US" smtClean="0"/>
-              <a:t>2024-10-07</a:t>
+              <a:t>2024. 10. 8.</a:t>
             </a:fld>
             <a:endParaRPr lang="ko-KR" altLang="en-US"/>
           </a:p>
@@ -477,7 +477,7 @@
           <a:p>
             <a:fld id="{FBB0C5D5-EBD8-47A8-AEE2-A5BB1E67CDAE}" type="datetimeFigureOut">
               <a:rPr lang="ko-KR" altLang="en-US" smtClean="0"/>
-              <a:t>2024-10-07</a:t>
+              <a:t>2024. 10. 8.</a:t>
             </a:fld>
             <a:endParaRPr lang="ko-KR" altLang="en-US"/>
           </a:p>
@@ -685,7 +685,7 @@
           <a:p>
             <a:fld id="{FBB0C5D5-EBD8-47A8-AEE2-A5BB1E67CDAE}" type="datetimeFigureOut">
               <a:rPr lang="ko-KR" altLang="en-US" smtClean="0"/>
-              <a:t>2024-10-07</a:t>
+              <a:t>2024. 10. 8.</a:t>
             </a:fld>
             <a:endParaRPr lang="ko-KR" altLang="en-US"/>
           </a:p>
@@ -883,7 +883,7 @@
           <a:p>
             <a:fld id="{FBB0C5D5-EBD8-47A8-AEE2-A5BB1E67CDAE}" type="datetimeFigureOut">
               <a:rPr lang="ko-KR" altLang="en-US" smtClean="0"/>
-              <a:t>2024-10-07</a:t>
+              <a:t>2024. 10. 8.</a:t>
             </a:fld>
             <a:endParaRPr lang="ko-KR" altLang="en-US"/>
           </a:p>
@@ -1158,7 +1158,7 @@
           <a:p>
             <a:fld id="{FBB0C5D5-EBD8-47A8-AEE2-A5BB1E67CDAE}" type="datetimeFigureOut">
               <a:rPr lang="ko-KR" altLang="en-US" smtClean="0"/>
-              <a:t>2024-10-07</a:t>
+              <a:t>2024. 10. 8.</a:t>
             </a:fld>
             <a:endParaRPr lang="ko-KR" altLang="en-US"/>
           </a:p>
@@ -1423,7 +1423,7 @@
           <a:p>
             <a:fld id="{FBB0C5D5-EBD8-47A8-AEE2-A5BB1E67CDAE}" type="datetimeFigureOut">
               <a:rPr lang="ko-KR" altLang="en-US" smtClean="0"/>
-              <a:t>2024-10-07</a:t>
+              <a:t>2024. 10. 8.</a:t>
             </a:fld>
             <a:endParaRPr lang="ko-KR" altLang="en-US"/>
           </a:p>
@@ -1835,7 +1835,7 @@
           <a:p>
             <a:fld id="{FBB0C5D5-EBD8-47A8-AEE2-A5BB1E67CDAE}" type="datetimeFigureOut">
               <a:rPr lang="ko-KR" altLang="en-US" smtClean="0"/>
-              <a:t>2024-10-07</a:t>
+              <a:t>2024. 10. 8.</a:t>
             </a:fld>
             <a:endParaRPr lang="ko-KR" altLang="en-US"/>
           </a:p>
@@ -1976,7 +1976,7 @@
           <a:p>
             <a:fld id="{FBB0C5D5-EBD8-47A8-AEE2-A5BB1E67CDAE}" type="datetimeFigureOut">
               <a:rPr lang="ko-KR" altLang="en-US" smtClean="0"/>
-              <a:t>2024-10-07</a:t>
+              <a:t>2024. 10. 8.</a:t>
             </a:fld>
             <a:endParaRPr lang="ko-KR" altLang="en-US"/>
           </a:p>
@@ -2089,7 +2089,7 @@
           <a:p>
             <a:fld id="{FBB0C5D5-EBD8-47A8-AEE2-A5BB1E67CDAE}" type="datetimeFigureOut">
               <a:rPr lang="ko-KR" altLang="en-US" smtClean="0"/>
-              <a:t>2024-10-07</a:t>
+              <a:t>2024. 10. 8.</a:t>
             </a:fld>
             <a:endParaRPr lang="ko-KR" altLang="en-US"/>
           </a:p>
@@ -2400,7 +2400,7 @@
           <a:p>
             <a:fld id="{FBB0C5D5-EBD8-47A8-AEE2-A5BB1E67CDAE}" type="datetimeFigureOut">
               <a:rPr lang="ko-KR" altLang="en-US" smtClean="0"/>
-              <a:t>2024-10-07</a:t>
+              <a:t>2024. 10. 8.</a:t>
             </a:fld>
             <a:endParaRPr lang="ko-KR" altLang="en-US"/>
           </a:p>
@@ -2688,7 +2688,7 @@
           <a:p>
             <a:fld id="{FBB0C5D5-EBD8-47A8-AEE2-A5BB1E67CDAE}" type="datetimeFigureOut">
               <a:rPr lang="ko-KR" altLang="en-US" smtClean="0"/>
-              <a:t>2024-10-07</a:t>
+              <a:t>2024. 10. 8.</a:t>
             </a:fld>
             <a:endParaRPr lang="ko-KR" altLang="en-US"/>
           </a:p>
@@ -2929,7 +2929,7 @@
           <a:p>
             <a:fld id="{FBB0C5D5-EBD8-47A8-AEE2-A5BB1E67CDAE}" type="datetimeFigureOut">
               <a:rPr lang="ko-KR" altLang="en-US" smtClean="0"/>
-              <a:t>2024-10-07</a:t>
+              <a:t>2024. 10. 8.</a:t>
             </a:fld>
             <a:endParaRPr lang="ko-KR" altLang="en-US"/>
           </a:p>
@@ -4005,8 +4005,16 @@
           <a:lstStyle/>
           <a:p>
             <a:r>
+              <a:rPr lang="ko-KR" altLang="en-US" sz="2400" b="1" dirty="0"/>
+              <a:t>설명 가능한 </a:t>
+            </a:r>
+            <a:r>
               <a:rPr lang="af-ZA" sz="2400" b="1" dirty="0"/>
-              <a:t>XAI</a:t>
+              <a:t>AI(</a:t>
+            </a:r>
+            <a:r>
+              <a:rPr lang="en-US" altLang="ko-KR" sz="2400" b="1" dirty="0"/>
+              <a:t>XAI)</a:t>
             </a:r>
             <a:r>
               <a:rPr lang="ko-KR" altLang="en-US" sz="2400" b="1" dirty="0">
@@ -4015,18 +4023,8 @@
               <a:t>란</a:t>
             </a:r>
             <a:r>
-              <a:rPr lang="en-US" altLang="ko-KR" sz="2400" b="1" dirty="0">
-                <a:ea typeface="맑은 고딕"/>
-              </a:rPr>
-              <a:t>(</a:t>
-            </a:r>
-            <a:r>
-              <a:rPr lang="af-ZA" sz="2400" b="1" err="1"/>
-              <a:t>eXplainable</a:t>
-            </a:r>
-            <a:r>
               <a:rPr lang="af-ZA" sz="2400" b="1" dirty="0"/>
-              <a:t> AI)?</a:t>
+              <a:t>?</a:t>
             </a:r>
           </a:p>
           <a:p>
@@ -4034,8 +4032,16 @@
           </a:p>
           <a:p>
             <a:r>
-              <a:rPr lang="af-ZA" sz="2000"/>
-              <a:t>XAI(Explainable</a:t>
+              <a:rPr lang="af-ZA" sz="2000" dirty="0"/>
+              <a:t>XAI(</a:t>
+            </a:r>
+            <a:r>
+              <a:rPr lang="en-US" altLang="ko-KR" sz="2000" dirty="0" err="1"/>
+              <a:t>eX</a:t>
+            </a:r>
+            <a:r>
+              <a:rPr lang="af-ZA" sz="2000" dirty="0" err="1"/>
+              <a:t>plainable</a:t>
             </a:r>
             <a:r>
               <a:rPr lang="af-ZA" sz="2000" dirty="0"/>
@@ -4065,17 +4071,8 @@
               <a:rPr lang="ko-KR" altLang="en-US" sz="2000" dirty="0">
                 <a:ea typeface="맑은 고딕"/>
               </a:rPr>
-              <a:t>시스템의 의사결정 과정을 인간이 이해할 수 있도록 만드는 기술입니다</a:t>
-            </a:r>
-            <a:r>
-              <a:rPr lang="en-US" altLang="ko-KR" sz="2000" dirty="0">
-                <a:ea typeface="맑은 고딕"/>
-              </a:rPr>
-              <a:t>.</a:t>
-            </a:r>
-            <a:endParaRPr lang="ko-KR" altLang="en-US" sz="2000" dirty="0">
-              <a:ea typeface="맑은 고딕"/>
-            </a:endParaRPr>
+              <a:t>시스템의 의사결정 과정을 인간이 이해할 수 있도록 만드는 기술</a:t>
+            </a:r>
           </a:p>
         </p:txBody>
       </p:sp>
@@ -4093,8 +4090,8 @@
         </p:nvSpPr>
         <p:spPr>
           <a:xfrm>
-            <a:off x="1676401" y="3430439"/>
-            <a:ext cx="8839200" cy="707886"/>
+            <a:off x="1909239" y="2821570"/>
+            <a:ext cx="8839200" cy="1938992"/>
           </a:xfrm>
           <a:prstGeom prst="rect">
             <a:avLst/>
@@ -4111,184 +4108,157 @@
           <a:lstStyle/>
           <a:p>
             <a:r>
+              <a:rPr lang="en-US" altLang="ko-KR" sz="2000" b="1" dirty="0">
+                <a:ea typeface="맑은 고딕"/>
+              </a:rPr>
+              <a:t>AI </a:t>
+            </a:r>
+            <a:r>
+              <a:rPr lang="ko-KR" altLang="en-US" sz="2000" b="1" dirty="0">
+                <a:ea typeface="맑은 고딕"/>
+              </a:rPr>
+              <a:t>시스템의 문제점</a:t>
+            </a:r>
+            <a:endParaRPr lang="en-US" altLang="ko-KR" sz="2000" b="1" dirty="0">
+              <a:ea typeface="맑은 고딕"/>
+            </a:endParaRPr>
+          </a:p>
+          <a:p>
+            <a:r>
               <a:rPr lang="en-US" altLang="ko-KR" sz="2000" dirty="0">
                 <a:ea typeface="맑은 고딕"/>
               </a:rPr>
+              <a:t>- </a:t>
+            </a:r>
+            <a:r>
+              <a:rPr lang="ko-KR" altLang="en-US" sz="2000" dirty="0">
+                <a:ea typeface="맑은 고딕"/>
+              </a:rPr>
+              <a:t>복잡한 </a:t>
+            </a:r>
+            <a:r>
+              <a:rPr lang="en-US" altLang="ko-KR" sz="2000" dirty="0">
+                <a:ea typeface="맑은 고딕"/>
+              </a:rPr>
               <a:t>AI </a:t>
             </a:r>
             <a:r>
               <a:rPr lang="ko-KR" altLang="en-US" sz="2000" dirty="0">
                 <a:ea typeface="맑은 고딕"/>
               </a:rPr>
-              <a:t>모델이</a:t>
+              <a:t>모델은 높은 성능을 제공하지만</a:t>
             </a:r>
             <a:r>
               <a:rPr lang="en-US" altLang="ko-KR" sz="2000" dirty="0">
                 <a:ea typeface="맑은 고딕"/>
               </a:rPr>
-              <a:t> </a:t>
+              <a:t>, </a:t>
             </a:r>
             <a:r>
               <a:rPr lang="ko-KR" altLang="en-US" sz="2000" dirty="0">
                 <a:ea typeface="맑은 고딕"/>
               </a:rPr>
-              <a:t>어떻게</a:t>
+              <a:t>의사결정 과정이 블랙박스처럼 작동할 때 사용자는 결과를 신뢰하기 어려움</a:t>
             </a:r>
             <a:r>
               <a:rPr lang="en-US" altLang="ko-KR" sz="2000" dirty="0">
                 <a:ea typeface="맑은 고딕"/>
               </a:rPr>
-              <a:t> </a:t>
+              <a:t>.</a:t>
+            </a:r>
+          </a:p>
+          <a:p>
+            <a:r>
+              <a:rPr lang="en-US" altLang="ko-KR" sz="2000" dirty="0">
+                <a:ea typeface="맑은 고딕"/>
+              </a:rPr>
+              <a:t>- </a:t>
             </a:r>
             <a:r>
               <a:rPr lang="ko-KR" altLang="en-US" sz="2000" dirty="0">
                 <a:ea typeface="맑은 고딕"/>
               </a:rPr>
-              <a:t>결론을</a:t>
+              <a:t>의료</a:t>
             </a:r>
             <a:r>
               <a:rPr lang="en-US" altLang="ko-KR" sz="2000" dirty="0">
                 <a:ea typeface="맑은 고딕"/>
               </a:rPr>
-              <a:t> </a:t>
+              <a:t>, </a:t>
             </a:r>
             <a:r>
               <a:rPr lang="ko-KR" altLang="en-US" sz="2000" dirty="0">
                 <a:ea typeface="맑은 고딕"/>
               </a:rPr>
-              <a:t>도출했는지를</a:t>
+              <a:t>금융</a:t>
             </a:r>
             <a:r>
               <a:rPr lang="en-US" altLang="ko-KR" sz="2000" dirty="0">
                 <a:ea typeface="맑은 고딕"/>
               </a:rPr>
-              <a:t> </a:t>
+              <a:t>, </a:t>
             </a:r>
             <a:r>
               <a:rPr lang="ko-KR" altLang="en-US" sz="2000" dirty="0">
                 <a:ea typeface="맑은 고딕"/>
               </a:rPr>
-              <a:t>설명함으로써</a:t>
+              <a:t>자율 주행 등 고위험 분야에서는 </a:t>
             </a:r>
             <a:r>
               <a:rPr lang="en-US" altLang="ko-KR" sz="2000" dirty="0">
                 <a:ea typeface="맑은 고딕"/>
               </a:rPr>
-              <a:t> AI</a:t>
+              <a:t>AI</a:t>
             </a:r>
             <a:r>
               <a:rPr lang="ko-KR" altLang="en-US" sz="2000" dirty="0">
                 <a:ea typeface="맑은 고딕"/>
               </a:rPr>
-              <a:t>의</a:t>
+              <a:t>의 </a:t>
+            </a:r>
+            <a:r>
+              <a:rPr lang="ko-KR" altLang="en-US" sz="2000" b="1" dirty="0">
+                <a:ea typeface="맑은 고딕"/>
+              </a:rPr>
+              <a:t>결정 투명성</a:t>
+            </a:r>
+            <a:r>
+              <a:rPr lang="ko-KR" altLang="en-US" sz="2000" dirty="0">
+                <a:ea typeface="맑은 고딕"/>
+              </a:rPr>
+              <a:t>이 필수적임</a:t>
             </a:r>
             <a:r>
               <a:rPr lang="en-US" altLang="ko-KR" sz="2000" dirty="0">
                 <a:ea typeface="맑은 고딕"/>
               </a:rPr>
-              <a:t> </a:t>
+              <a:t>.</a:t>
+            </a:r>
+          </a:p>
+          <a:p>
+            <a:r>
+              <a:rPr lang="en-US" altLang="ko-KR" sz="2000" dirty="0">
+                <a:ea typeface="맑은 고딕"/>
+              </a:rPr>
+              <a:t>- XAI</a:t>
             </a:r>
             <a:r>
               <a:rPr lang="ko-KR" altLang="en-US" sz="2000" dirty="0">
                 <a:ea typeface="맑은 고딕"/>
               </a:rPr>
-              <a:t>투명성을</a:t>
+              <a:t>는 이러한 문제를 해결하고</a:t>
             </a:r>
             <a:r>
               <a:rPr lang="en-US" altLang="ko-KR" sz="2000" dirty="0">
                 <a:ea typeface="맑은 고딕"/>
               </a:rPr>
-              <a:t> </a:t>
+              <a:t>, AI</a:t>
             </a:r>
             <a:r>
               <a:rPr lang="ko-KR" altLang="en-US" sz="2000" dirty="0">
                 <a:ea typeface="맑은 고딕"/>
               </a:rPr>
-              <a:t>높이고</a:t>
-            </a:r>
-            <a:r>
-              <a:rPr lang="en-US" altLang="ko-KR" sz="2000" dirty="0">
-                <a:ea typeface="맑은 고딕"/>
-              </a:rPr>
-              <a:t>, </a:t>
-            </a:r>
-            <a:r>
-              <a:rPr lang="ko-KR" altLang="en-US" sz="2000" dirty="0">
-                <a:ea typeface="맑은 고딕"/>
-              </a:rPr>
-              <a:t>사용자가</a:t>
-            </a:r>
-            <a:r>
-              <a:rPr lang="en-US" altLang="ko-KR" sz="2000" dirty="0">
-                <a:ea typeface="맑은 고딕"/>
-              </a:rPr>
-              <a:t> AI</a:t>
-            </a:r>
-            <a:r>
-              <a:rPr lang="ko-KR" altLang="en-US" sz="2000" dirty="0">
-                <a:ea typeface="맑은 고딕"/>
-              </a:rPr>
-              <a:t>의</a:t>
-            </a:r>
-            <a:r>
-              <a:rPr lang="en-US" altLang="ko-KR" sz="2000" dirty="0">
-                <a:ea typeface="맑은 고딕"/>
-              </a:rPr>
-              <a:t> </a:t>
-            </a:r>
-            <a:r>
-              <a:rPr lang="ko-KR" altLang="en-US" sz="2000" dirty="0">
-                <a:ea typeface="맑은 고딕"/>
-              </a:rPr>
-              <a:t>판단을</a:t>
-            </a:r>
-            <a:r>
-              <a:rPr lang="en-US" altLang="ko-KR" sz="2000" dirty="0">
-                <a:ea typeface="맑은 고딕"/>
-              </a:rPr>
-              <a:t> </a:t>
-            </a:r>
-            <a:r>
-              <a:rPr lang="ko-KR" altLang="en-US" sz="2000" dirty="0">
-                <a:ea typeface="맑은 고딕"/>
-              </a:rPr>
-              <a:t>신뢰할</a:t>
-            </a:r>
-            <a:r>
-              <a:rPr lang="en-US" altLang="ko-KR" sz="2000" dirty="0">
-                <a:ea typeface="맑은 고딕"/>
-              </a:rPr>
-              <a:t> </a:t>
-            </a:r>
-            <a:r>
-              <a:rPr lang="ko-KR" altLang="en-US" sz="2000" dirty="0">
-                <a:ea typeface="맑은 고딕"/>
-              </a:rPr>
-              <a:t>수</a:t>
-            </a:r>
-            <a:r>
-              <a:rPr lang="en-US" altLang="ko-KR" sz="2000" dirty="0">
-                <a:ea typeface="맑은 고딕"/>
-              </a:rPr>
-              <a:t> </a:t>
-            </a:r>
-            <a:r>
-              <a:rPr lang="ko-KR" altLang="en-US" sz="2000" dirty="0">
-                <a:ea typeface="맑은 고딕"/>
-              </a:rPr>
-              <a:t>있도록</a:t>
-            </a:r>
-            <a:r>
-              <a:rPr lang="en-US" altLang="ko-KR" sz="2000" dirty="0">
-                <a:ea typeface="맑은 고딕"/>
-              </a:rPr>
-              <a:t> </a:t>
-            </a:r>
-            <a:r>
-              <a:rPr lang="ko-KR" altLang="en-US" sz="2000" dirty="0">
-                <a:ea typeface="맑은 고딕"/>
-              </a:rPr>
-              <a:t>돕는다</a:t>
+              <a:t>의 신뢰성을 높이는 기술로 주목받고 있음</a:t>
             </a:r>
             <a:r>
               <a:rPr lang="en-US" altLang="ko-KR" sz="2000" dirty="0">
@@ -4313,7 +4283,7 @@
         </p:nvSpPr>
         <p:spPr>
           <a:xfrm>
-            <a:off x="-5751" y="4551871"/>
+            <a:off x="123457" y="5098632"/>
             <a:ext cx="4267200" cy="1446550"/>
           </a:xfrm>
           <a:prstGeom prst="rect">
@@ -4417,7 +4387,7 @@
         </p:nvSpPr>
         <p:spPr>
           <a:xfrm>
-            <a:off x="5342626" y="4911306"/>
+            <a:off x="5471834" y="5458067"/>
             <a:ext cx="6855123" cy="707886"/>
           </a:xfrm>
           <a:prstGeom prst="rect">
@@ -4620,7 +4590,7 @@
         </p:nvSpPr>
         <p:spPr>
           <a:xfrm>
-            <a:off x="3917922" y="5018636"/>
+            <a:off x="4047130" y="5565397"/>
             <a:ext cx="813815" cy="500862"/>
           </a:xfrm>
           <a:prstGeom prst="rightArrow">
@@ -4850,7 +4820,7 @@
         <p:spPr>
           <a:xfrm>
             <a:off x="1909239" y="1429625"/>
-            <a:ext cx="9755590" cy="1446550"/>
+            <a:ext cx="9755590" cy="1077218"/>
           </a:xfrm>
           <a:prstGeom prst="rect">
             <a:avLst/>
@@ -4920,91 +4890,7 @@
                 <a:ea typeface="+mn-lt"/>
                 <a:cs typeface="+mn-lt"/>
               </a:rPr>
-              <a:t>-</a:t>
-            </a:r>
-            <a:r>
-              <a:rPr lang="ko-KR" altLang="af-ZA" sz="2400" b="1" dirty="0">
-                <a:ea typeface="+mn-lt"/>
-                <a:cs typeface="+mn-lt"/>
-              </a:rPr>
-              <a:t>독립적</a:t>
-            </a:r>
-            <a:r>
-              <a:rPr lang="af-ZA" altLang="ko-KR" sz="2400" b="1" dirty="0">
-                <a:ea typeface="+mn-lt"/>
-                <a:cs typeface="+mn-lt"/>
-              </a:rPr>
-              <a:t> </a:t>
-            </a:r>
-            <a:r>
-              <a:rPr lang="ko-KR" altLang="af-ZA" sz="2400" b="1" dirty="0">
-                <a:ea typeface="+mn-lt"/>
-                <a:cs typeface="+mn-lt"/>
-              </a:rPr>
-              <a:t>설명</a:t>
-            </a:r>
-            <a:r>
-              <a:rPr lang="af-ZA" sz="2400" b="1" dirty="0">
-                <a:ea typeface="+mn-lt"/>
-                <a:cs typeface="+mn-lt"/>
-              </a:rPr>
-              <a:t>(LIME; </a:t>
-            </a:r>
-            <a:r>
-              <a:rPr lang="af-ZA" sz="2400" b="1" dirty="0" err="1">
-                <a:ea typeface="+mn-lt"/>
-                <a:cs typeface="+mn-lt"/>
-              </a:rPr>
-              <a:t>Local</a:t>
-            </a:r>
-            <a:r>
-              <a:rPr lang="af-ZA" sz="2400" b="1" dirty="0">
-                <a:ea typeface="+mn-lt"/>
-                <a:cs typeface="+mn-lt"/>
-              </a:rPr>
-              <a:t> </a:t>
-            </a:r>
-            <a:r>
-              <a:rPr lang="af-ZA" sz="2400" b="1" dirty="0" err="1">
-                <a:ea typeface="+mn-lt"/>
-                <a:cs typeface="+mn-lt"/>
-              </a:rPr>
-              <a:t>Interpretable</a:t>
-            </a:r>
-            <a:r>
-              <a:rPr lang="af-ZA" sz="2400" b="1" dirty="0">
-                <a:ea typeface="+mn-lt"/>
-                <a:cs typeface="+mn-lt"/>
-              </a:rPr>
-              <a:t> Model-</a:t>
-            </a:r>
-            <a:r>
-              <a:rPr lang="af-ZA" sz="2400" b="1" dirty="0" err="1">
-                <a:ea typeface="+mn-lt"/>
-                <a:cs typeface="+mn-lt"/>
-              </a:rPr>
-              <a:t>agnostic</a:t>
-            </a:r>
-            <a:r>
-              <a:rPr lang="af-ZA" sz="2400" b="1" dirty="0">
-                <a:ea typeface="+mn-lt"/>
-                <a:cs typeface="+mn-lt"/>
-              </a:rPr>
-              <a:t> </a:t>
-            </a:r>
-            <a:r>
-              <a:rPr lang="af-ZA" sz="2400" b="1" dirty="0" err="1">
-                <a:ea typeface="+mn-lt"/>
-                <a:cs typeface="+mn-lt"/>
-              </a:rPr>
-              <a:t>Explanations</a:t>
-            </a:r>
-            <a:r>
-              <a:rPr lang="af-ZA" sz="2400" b="1" dirty="0">
-                <a:ea typeface="+mn-lt"/>
-                <a:cs typeface="+mn-lt"/>
-              </a:rPr>
-              <a:t>)</a:t>
+              <a:t>(LIME)</a:t>
             </a:r>
             <a:r>
               <a:rPr lang="af-ZA" sz="2400" b="1" dirty="0"/>
@@ -5152,7 +5038,7 @@
               </a:rPr>
               <a:t>사용</a:t>
             </a:r>
-            <a:endParaRPr lang="ko-KR">
+            <a:endParaRPr lang="ko-KR" dirty="0">
               <a:ea typeface="맑은 고딕"/>
             </a:endParaRPr>
           </a:p>
@@ -5172,8 +5058,8 @@
         </p:nvSpPr>
         <p:spPr>
           <a:xfrm>
-            <a:off x="1216325" y="3257911"/>
-            <a:ext cx="9759351" cy="3477875"/>
+            <a:off x="1909239" y="4718145"/>
+            <a:ext cx="11956774" cy="3477875"/>
           </a:xfrm>
           <a:prstGeom prst="rect">
             <a:avLst/>
@@ -5527,7 +5413,7 @@
               </a:rPr>
               <a:t>제공</a:t>
             </a:r>
-            <a:endParaRPr lang="en-US" altLang="ko-KR" sz="2000">
+            <a:endParaRPr lang="en-US" altLang="ko-KR" sz="2000" dirty="0">
               <a:ea typeface="맑은 고딕"/>
             </a:endParaRPr>
           </a:p>
@@ -5872,9 +5758,129 @@
               </a:rPr>
               <a:t>어려움</a:t>
             </a:r>
-            <a:endParaRPr lang="en-US" altLang="ko-KR" sz="2000">
+            <a:endParaRPr lang="en-US" altLang="ko-KR" sz="2000" dirty="0">
               <a:ea typeface="맑은 고딕"/>
             </a:endParaRPr>
+          </a:p>
+        </p:txBody>
+      </p:sp>
+      <p:sp>
+        <p:nvSpPr>
+          <p:cNvPr id="4" name="TextBox 3">
+            <a:extLst>
+              <a:ext uri="{FF2B5EF4-FFF2-40B4-BE49-F238E27FC236}">
+                <a16:creationId xmlns:a16="http://schemas.microsoft.com/office/drawing/2014/main" id="{DB420DDD-C8EF-2307-0418-BA314F822F8A}"/>
+              </a:ext>
+            </a:extLst>
+          </p:cNvPr>
+          <p:cNvSpPr txBox="1"/>
+          <p:nvPr/>
+        </p:nvSpPr>
+        <p:spPr>
+          <a:xfrm>
+            <a:off x="1909239" y="2873830"/>
+            <a:ext cx="10408619" cy="1477328"/>
+          </a:xfrm>
+          <a:prstGeom prst="rect">
+            <a:avLst/>
+          </a:prstGeom>
+          <a:noFill/>
+        </p:spPr>
+        <p:txBody>
+          <a:bodyPr wrap="none" rtlCol="0">
+            <a:spAutoFit/>
+          </a:bodyPr>
+          <a:lstStyle/>
+          <a:p>
+            <a:r>
+              <a:rPr kumimoji="1" lang="en-US" altLang="ko-KR" dirty="0"/>
+              <a:t>LIME</a:t>
+            </a:r>
+            <a:r>
+              <a:rPr kumimoji="1" lang="ko-KR" altLang="en-US" dirty="0"/>
+              <a:t>의 작동 원리</a:t>
+            </a:r>
+            <a:r>
+              <a:rPr kumimoji="1" lang="en-US" altLang="ko-KR" dirty="0"/>
+              <a:t>:</a:t>
+            </a:r>
+          </a:p>
+          <a:p>
+            <a:r>
+              <a:rPr kumimoji="1" lang="en-US" altLang="ko-KR" dirty="0"/>
+              <a:t>1. </a:t>
+            </a:r>
+            <a:r>
+              <a:rPr kumimoji="1" lang="ko-KR" altLang="en-US" dirty="0"/>
+              <a:t>원본 데이터를 </a:t>
+            </a:r>
+            <a:r>
+              <a:rPr kumimoji="1" lang="ko-KR" altLang="en-US" b="1" dirty="0"/>
+              <a:t>조금씩 변형</a:t>
+            </a:r>
+            <a:r>
+              <a:rPr kumimoji="1" lang="ko-KR" altLang="en-US" dirty="0"/>
+              <a:t>한 여러 샘플을 생성</a:t>
+            </a:r>
+            <a:r>
+              <a:rPr kumimoji="1" lang="en-US" altLang="ko-KR" dirty="0"/>
+              <a:t>.</a:t>
+            </a:r>
+          </a:p>
+          <a:p>
+            <a:r>
+              <a:rPr kumimoji="1" lang="en-US" altLang="ko-KR" dirty="0"/>
+              <a:t>2. </a:t>
+            </a:r>
+            <a:r>
+              <a:rPr kumimoji="1" lang="ko-KR" altLang="en-US" dirty="0"/>
+              <a:t>변형된 샘플에 대해 모델이 예측을 수행</a:t>
+            </a:r>
+            <a:r>
+              <a:rPr kumimoji="1" lang="en-US" altLang="ko-KR" dirty="0"/>
+              <a:t>.</a:t>
+            </a:r>
+          </a:p>
+          <a:p>
+            <a:r>
+              <a:rPr kumimoji="1" lang="en-US" altLang="ko-KR" dirty="0"/>
+              <a:t>3. </a:t>
+            </a:r>
+            <a:r>
+              <a:rPr kumimoji="1" lang="ko-KR" altLang="en-US" dirty="0"/>
+              <a:t>각 샘플에 대한 예측 결과를 바탕으로 </a:t>
+            </a:r>
+            <a:r>
+              <a:rPr kumimoji="1" lang="ko-KR" altLang="en-US" b="1" dirty="0"/>
+              <a:t>모델이 특정 특징을 얼마나 중요하게 여기는지</a:t>
+            </a:r>
+            <a:r>
+              <a:rPr kumimoji="1" lang="ko-KR" altLang="en-US" dirty="0"/>
+              <a:t>를 추정</a:t>
+            </a:r>
+            <a:r>
+              <a:rPr kumimoji="1" lang="en-US" altLang="ko-KR" dirty="0"/>
+              <a:t>.</a:t>
+            </a:r>
+          </a:p>
+          <a:p>
+            <a:r>
+              <a:rPr kumimoji="1" lang="en-US" altLang="ko-KR" dirty="0"/>
+              <a:t>4. </a:t>
+            </a:r>
+            <a:r>
+              <a:rPr kumimoji="1" lang="ko-KR" altLang="en-US" dirty="0"/>
+              <a:t>결과적으로 </a:t>
+            </a:r>
+            <a:r>
+              <a:rPr kumimoji="1" lang="ko-KR" altLang="en-US" b="1" dirty="0"/>
+              <a:t>모델이 내린 결정에 영향을 미친 주요 특징들을 가중치로 시각화</a:t>
+            </a:r>
+            <a:r>
+              <a:rPr kumimoji="1" lang="en-US" altLang="ko-KR" dirty="0"/>
+              <a:t>.</a:t>
+            </a:r>
+            <a:endParaRPr kumimoji="1" lang="ko-KR" altLang="en-US" dirty="0"/>
           </a:p>
         </p:txBody>
       </p:sp>
@@ -6250,7 +6256,7 @@
               <a:t>일반 </a:t>
             </a:r>
             <a:r>
-              <a:rPr lang="ko-KR" altLang="en-US" sz="2000" err="1">
+              <a:rPr lang="ko-KR" altLang="en-US" sz="2000" dirty="0" err="1">
                 <a:ea typeface="맑은 고딕"/>
               </a:rPr>
               <a:t>대화셋</a:t>
@@ -6261,7 +6267,7 @@
               </a:rPr>
               <a:t> 선정</a:t>
             </a:r>
-            <a:endParaRPr lang="en-US" altLang="ko-KR" sz="2000">
+            <a:endParaRPr lang="en-US" altLang="ko-KR" sz="2000" dirty="0">
               <a:ea typeface="맑은 고딕"/>
             </a:endParaRPr>
           </a:p>
@@ -6277,12 +6283,12 @@
               <a:t>데이터 </a:t>
             </a:r>
             <a:r>
-              <a:rPr lang="ko-KR" altLang="en-US" sz="2000" err="1">
+              <a:rPr lang="ko-KR" altLang="en-US" sz="2000" dirty="0" err="1">
                 <a:ea typeface="맑은 고딕"/>
               </a:rPr>
               <a:t>전처리</a:t>
             </a:r>
-            <a:endParaRPr lang="en-US" altLang="ko-KR" sz="2000">
+            <a:endParaRPr lang="en-US" altLang="ko-KR" sz="2000" dirty="0">
               <a:ea typeface="맑은 고딕"/>
             </a:endParaRPr>
           </a:p>
@@ -6441,7 +6447,7 @@
               <a:t>label </a:t>
             </a:r>
             <a:r>
-              <a:rPr lang="ko-KR" altLang="ko-KR" sz="2000" kern="1200" err="1">
+              <a:rPr lang="ko-KR" altLang="ko-KR" sz="2000" kern="1200" dirty="0" err="1">
                 <a:solidFill>
                   <a:srgbClr val="000000"/>
                 </a:solidFill>
@@ -6517,7 +6523,7 @@
               <a:buChar char="•"/>
             </a:pPr>
             <a:r>
-              <a:rPr lang="en-US" altLang="ko-KR" sz="2000" err="1">
+              <a:rPr lang="en-US" altLang="ko-KR" sz="2000" dirty="0" err="1">
                 <a:ea typeface="맑은 고딕"/>
               </a:rPr>
               <a:t>XAI란</a:t>
@@ -6535,83 +6541,13 @@
               <a:buChar char="•"/>
             </a:pPr>
             <a:r>
-              <a:rPr lang="en-US" sz="2000" dirty="0" err="1">
+              <a:rPr lang="en-US" altLang="ko-KR" sz="2000" dirty="0">
                 <a:latin typeface="Malgun Gothic"/>
                 <a:ea typeface="Malgun Gothic"/>
               </a:rPr>
-              <a:t>국소적</a:t>
-            </a:r>
-            <a:r>
-              <a:rPr lang="en-US" sz="2000" dirty="0">
-                <a:latin typeface="Malgun Gothic"/>
-                <a:ea typeface="Malgun Gothic"/>
-              </a:rPr>
-              <a:t> </a:t>
-            </a:r>
-            <a:r>
-              <a:rPr lang="en-US" sz="2000" dirty="0" err="1">
-                <a:latin typeface="Malgun Gothic"/>
-                <a:ea typeface="Malgun Gothic"/>
-              </a:rPr>
-              <a:t>설명</a:t>
-            </a:r>
-            <a:r>
-              <a:rPr lang="en-US" sz="2000" dirty="0">
-                <a:latin typeface="Malgun Gothic"/>
-                <a:ea typeface="Malgun Gothic"/>
-              </a:rPr>
-              <a:t> </a:t>
-            </a:r>
-            <a:r>
-              <a:rPr lang="en-US" sz="2000" dirty="0" err="1">
-                <a:latin typeface="Malgun Gothic"/>
-                <a:ea typeface="Malgun Gothic"/>
-              </a:rPr>
-              <a:t>가능</a:t>
-            </a:r>
-            <a:r>
-              <a:rPr lang="en-US" sz="2000" dirty="0">
-                <a:latin typeface="Malgun Gothic"/>
-                <a:ea typeface="Malgun Gothic"/>
-              </a:rPr>
-              <a:t> </a:t>
-            </a:r>
-            <a:r>
-              <a:rPr lang="en-US" sz="2000" dirty="0" err="1">
-                <a:latin typeface="Malgun Gothic"/>
-                <a:ea typeface="Malgun Gothic"/>
-              </a:rPr>
-              <a:t>모델</a:t>
-            </a:r>
-            <a:r>
-              <a:rPr lang="en-US" sz="2000" dirty="0">
-                <a:latin typeface="Malgun Gothic"/>
-                <a:ea typeface="Malgun Gothic"/>
-              </a:rPr>
-              <a:t> - </a:t>
-            </a:r>
-            <a:r>
-              <a:rPr lang="en-US" sz="2000" dirty="0" err="1">
-                <a:latin typeface="Malgun Gothic"/>
-                <a:ea typeface="Malgun Gothic"/>
-              </a:rPr>
-              <a:t>독립적</a:t>
-            </a:r>
-            <a:r>
-              <a:rPr lang="en-US" sz="2000" dirty="0">
-                <a:latin typeface="Malgun Gothic"/>
-                <a:ea typeface="Malgun Gothic"/>
-              </a:rPr>
-              <a:t> </a:t>
-            </a:r>
-            <a:r>
-              <a:rPr lang="en-US" sz="2000" dirty="0" err="1">
-                <a:latin typeface="Malgun Gothic"/>
-                <a:ea typeface="Malgun Gothic"/>
-              </a:rPr>
-              <a:t>설명</a:t>
-            </a:r>
-            <a:endParaRPr lang="en-US" altLang="ko-KR" sz="2000" dirty="0" err="1">
+              <a:t>LIME</a:t>
+            </a:r>
+            <a:endParaRPr lang="en-US" altLang="ko-KR" sz="2000" dirty="0">
               <a:ea typeface="맑은 고딕"/>
             </a:endParaRPr>
           </a:p>
@@ -6706,52 +6642,22 @@
           </a:p>
         </p:txBody>
       </p:sp>
-      <p:pic>
-        <p:nvPicPr>
-          <p:cNvPr id="3" name="그림 2" descr="텍스트, 로고, 폰트, 그래픽이(가) 표시된 사진&#10;&#10;자동 생성된 설명">
-            <a:extLst>
-              <a:ext uri="{FF2B5EF4-FFF2-40B4-BE49-F238E27FC236}">
-                <a16:creationId xmlns:a16="http://schemas.microsoft.com/office/drawing/2014/main" id="{76735496-8BE2-3781-020B-384B8EED49A6}"/>
-              </a:ext>
-            </a:extLst>
-          </p:cNvPr>
-          <p:cNvPicPr>
-            <a:picLocks noChangeAspect="1"/>
-          </p:cNvPicPr>
+      <p:sp>
+        <p:nvSpPr>
+          <p:cNvPr id="4" name="TextBox 3">
+            <a:extLst>
+              <a:ext uri="{FF2B5EF4-FFF2-40B4-BE49-F238E27FC236}">
+                <a16:creationId xmlns:a16="http://schemas.microsoft.com/office/drawing/2014/main" id="{19EC3556-F8AC-4D24-D1D6-F4CAAF17EA25}"/>
+              </a:ext>
+            </a:extLst>
+          </p:cNvPr>
+          <p:cNvSpPr txBox="1"/>
           <p:nvPr/>
-        </p:nvPicPr>
-        <p:blipFill>
-          <a:blip r:embed="rId2"/>
-          <a:stretch>
-            <a:fillRect/>
-          </a:stretch>
-        </p:blipFill>
+        </p:nvSpPr>
         <p:spPr>
           <a:xfrm>
-            <a:off x="7974402" y="741962"/>
-            <a:ext cx="4222630" cy="1405926"/>
-          </a:xfrm>
-          <a:prstGeom prst="rect">
-            <a:avLst/>
-          </a:prstGeom>
-        </p:spPr>
-      </p:pic>
-      <p:sp>
-        <p:nvSpPr>
-          <p:cNvPr id="4" name="TextBox 3">
-            <a:extLst>
-              <a:ext uri="{FF2B5EF4-FFF2-40B4-BE49-F238E27FC236}">
-                <a16:creationId xmlns:a16="http://schemas.microsoft.com/office/drawing/2014/main" id="{19EC3556-F8AC-4D24-D1D6-F4CAAF17EA25}"/>
-              </a:ext>
-            </a:extLst>
-          </p:cNvPr>
-          <p:cNvSpPr txBox="1"/>
-          <p:nvPr/>
-        </p:nvSpPr>
-        <p:spPr>
-          <a:xfrm>
-            <a:off x="353684" y="2136475"/>
-            <a:ext cx="1636143" cy="707886"/>
+            <a:off x="844826" y="1463675"/>
+            <a:ext cx="5578977" cy="707886"/>
           </a:xfrm>
           <a:prstGeom prst="rect">
             <a:avLst/>
@@ -6768,12 +6674,20 @@
           <a:lstStyle/>
           <a:p>
             <a:r>
-              <a:rPr lang="ko-KR" sz="2000" b="1" dirty="0">
+              <a:rPr lang="en-US" altLang="ko-KR" sz="2000" b="1" dirty="0">
                 <a:latin typeface="Roboto"/>
                 <a:ea typeface="맑은 고딕"/>
                 <a:cs typeface="Roboto"/>
               </a:rPr>
-              <a:t>한국어 SNS</a:t>
+              <a:t>AI-Hub : </a:t>
+            </a:r>
+            <a:r>
+              <a:rPr lang="ko-KR" altLang="en-US" sz="2000" b="1" dirty="0">
+                <a:latin typeface="Roboto"/>
+                <a:ea typeface="맑은 고딕"/>
+                <a:cs typeface="Roboto"/>
+              </a:rPr>
+              <a:t>주제별 텍스트 일상 대화 데이터</a:t>
             </a:r>
             <a:endParaRPr lang="ko-KR" sz="2000" dirty="0"/>
           </a:p>
@@ -6786,36 +6700,6 @@
           </a:p>
         </p:txBody>
       </p:sp>
-      <p:pic>
-        <p:nvPicPr>
-          <p:cNvPr id="5" name="그림 4" descr="텍스트, 스크린샷, 폰트, 라인이(가) 표시된 사진&#10;&#10;자동 생성된 설명">
-            <a:extLst>
-              <a:ext uri="{FF2B5EF4-FFF2-40B4-BE49-F238E27FC236}">
-                <a16:creationId xmlns:a16="http://schemas.microsoft.com/office/drawing/2014/main" id="{81729919-FBBC-B5CC-39C4-43FB0F9746B8}"/>
-              </a:ext>
-            </a:extLst>
-          </p:cNvPr>
-          <p:cNvPicPr>
-            <a:picLocks noChangeAspect="1"/>
-          </p:cNvPicPr>
-          <p:nvPr/>
-        </p:nvPicPr>
-        <p:blipFill>
-          <a:blip r:embed="rId3"/>
-          <a:stretch>
-            <a:fillRect/>
-          </a:stretch>
-        </p:blipFill>
-        <p:spPr>
-          <a:xfrm>
-            <a:off x="1163938" y="2686948"/>
-            <a:ext cx="9878503" cy="2964970"/>
-          </a:xfrm>
-          <a:prstGeom prst="rect">
-            <a:avLst/>
-          </a:prstGeom>
-        </p:spPr>
-      </p:pic>
       <p:sp>
         <p:nvSpPr>
           <p:cNvPr id="6" name="TextBox 5">
@@ -6899,7 +6783,7 @@
               <a:rPr lang="en-US" altLang="ko-KR" sz="2000" i="1" dirty="0">
                 <a:ea typeface="맑은 고딕"/>
               </a:rPr>
-              <a:t> 4000</a:t>
+              <a:t> 1000</a:t>
             </a:r>
             <a:r>
               <a:rPr lang="ko-KR" altLang="en-US" sz="2000" i="1" dirty="0">
@@ -6937,6 +6821,78 @@
           </a:p>
         </p:txBody>
       </p:sp>
+      <p:pic>
+        <p:nvPicPr>
+          <p:cNvPr id="8" name="그림 7" descr="텍스트, 폰트, 스크린샷이(가) 표시된 사진&#10;&#10;자동 생성된 설명">
+            <a:extLst>
+              <a:ext uri="{FF2B5EF4-FFF2-40B4-BE49-F238E27FC236}">
+                <a16:creationId xmlns:a16="http://schemas.microsoft.com/office/drawing/2014/main" id="{45813ED7-434C-CBDA-E54B-B7629575ED70}"/>
+              </a:ext>
+            </a:extLst>
+          </p:cNvPr>
+          <p:cNvPicPr>
+            <a:picLocks noChangeAspect="1"/>
+          </p:cNvPicPr>
+          <p:nvPr/>
+        </p:nvPicPr>
+        <p:blipFill>
+          <a:blip r:embed="rId2">
+            <a:extLst>
+              <a:ext uri="{28A0092B-C50C-407E-A947-70E740481C1C}">
+                <a14:useLocalDpi xmlns:a14="http://schemas.microsoft.com/office/drawing/2010/main" val="0"/>
+              </a:ext>
+            </a:extLst>
+          </a:blip>
+          <a:stretch>
+            <a:fillRect/>
+          </a:stretch>
+        </p:blipFill>
+        <p:spPr>
+          <a:xfrm>
+            <a:off x="844826" y="2130373"/>
+            <a:ext cx="7772400" cy="1760031"/>
+          </a:xfrm>
+          <a:prstGeom prst="rect">
+            <a:avLst/>
+          </a:prstGeom>
+        </p:spPr>
+      </p:pic>
+      <p:pic>
+        <p:nvPicPr>
+          <p:cNvPr id="10" name="그림 9" descr="텍스트, 스크린샷, 폰트, 번호이(가) 표시된 사진&#10;&#10;자동 생성된 설명">
+            <a:extLst>
+              <a:ext uri="{FF2B5EF4-FFF2-40B4-BE49-F238E27FC236}">
+                <a16:creationId xmlns:a16="http://schemas.microsoft.com/office/drawing/2014/main" id="{2202805E-C96B-6F08-3DC5-0DB6AA949451}"/>
+              </a:ext>
+            </a:extLst>
+          </p:cNvPr>
+          <p:cNvPicPr>
+            <a:picLocks noChangeAspect="1"/>
+          </p:cNvPicPr>
+          <p:nvPr/>
+        </p:nvPicPr>
+        <p:blipFill>
+          <a:blip r:embed="rId3">
+            <a:extLst>
+              <a:ext uri="{28A0092B-C50C-407E-A947-70E740481C1C}">
+                <a14:useLocalDpi xmlns:a14="http://schemas.microsoft.com/office/drawing/2010/main" val="0"/>
+              </a:ext>
+            </a:extLst>
+          </a:blip>
+          <a:stretch>
+            <a:fillRect/>
+          </a:stretch>
+        </p:blipFill>
+        <p:spPr>
+          <a:xfrm>
+            <a:off x="6972576" y="1256810"/>
+            <a:ext cx="3289300" cy="3975100"/>
+          </a:xfrm>
+          <a:prstGeom prst="rect">
+            <a:avLst/>
+          </a:prstGeom>
+        </p:spPr>
+      </p:pic>
     </p:spTree>
     <p:extLst>
       <p:ext uri="{BB962C8B-B14F-4D97-AF65-F5344CB8AC3E}">
